--- a/Challenge_2_Presentation.pptx
+++ b/Challenge_2_Presentation.pptx
@@ -596,7 +596,7 @@
           <a:effectLst/>
           <a:extLst>
             <a:ext uri="{91240B29-F687-4f45-9708-019B960494DF}">
-              <a14:hiddenLine xmlns="" xmlns:a14="http://schemas.microsoft.com/office/drawing/2010/main" w="9525">
+              <a14:hiddenLine xmlns:a14="http://schemas.microsoft.com/office/drawing/2010/main" xmlns="" w="9525">
                 <a:solidFill>
                   <a:srgbClr val="000000"/>
                 </a:solidFill>
@@ -2118,7 +2118,7 @@
           <a:ln/>
           <a:extLst>
             <a:ext uri="{91240B29-F687-4f45-9708-019B960494DF}">
-              <a14:hiddenLine xmlns="" xmlns:a14="http://schemas.microsoft.com/office/drawing/2010/main" w="9525">
+              <a14:hiddenLine xmlns:a14="http://schemas.microsoft.com/office/drawing/2010/main" xmlns="" w="9525">
                 <a:solidFill>
                   <a:srgbClr val="000000"/>
                 </a:solidFill>
@@ -2393,7 +2393,7 @@
           <a:ln/>
           <a:extLst>
             <a:ext uri="{91240B29-F687-4f45-9708-019B960494DF}">
-              <a14:hiddenLine xmlns="" xmlns:a14="http://schemas.microsoft.com/office/drawing/2010/main" w="9525">
+              <a14:hiddenLine xmlns:a14="http://schemas.microsoft.com/office/drawing/2010/main" xmlns="" w="9525">
                 <a:solidFill>
                   <a:srgbClr val="000000"/>
                 </a:solidFill>
@@ -2676,7 +2676,7 @@
           <a:ln/>
           <a:extLst>
             <a:ext uri="{91240B29-F687-4f45-9708-019B960494DF}">
-              <a14:hiddenLine xmlns="" xmlns:a14="http://schemas.microsoft.com/office/drawing/2010/main" w="9525">
+              <a14:hiddenLine xmlns:a14="http://schemas.microsoft.com/office/drawing/2010/main" xmlns="" w="9525">
                 <a:solidFill>
                   <a:srgbClr val="000000"/>
                 </a:solidFill>
@@ -3302,7 +3302,7 @@
           <a:ln/>
           <a:extLst>
             <a:ext uri="{91240B29-F687-4f45-9708-019B960494DF}">
-              <a14:hiddenLine xmlns="" xmlns:a14="http://schemas.microsoft.com/office/drawing/2010/main" w="9525">
+              <a14:hiddenLine xmlns:a14="http://schemas.microsoft.com/office/drawing/2010/main" xmlns="" w="9525">
                 <a:solidFill>
                   <a:srgbClr val="000000"/>
                 </a:solidFill>
@@ -3641,7 +3641,7 @@
           <a:ln/>
           <a:extLst>
             <a:ext uri="{91240B29-F687-4f45-9708-019B960494DF}">
-              <a14:hiddenLine xmlns="" xmlns:a14="http://schemas.microsoft.com/office/drawing/2010/main" w="9525">
+              <a14:hiddenLine xmlns:a14="http://schemas.microsoft.com/office/drawing/2010/main" xmlns="" w="9525">
                 <a:solidFill>
                   <a:srgbClr val="000000"/>
                 </a:solidFill>
@@ -4118,7 +4118,7 @@
           <a:ln/>
           <a:extLst>
             <a:ext uri="{91240B29-F687-4f45-9708-019B960494DF}">
-              <a14:hiddenLine xmlns="" xmlns:a14="http://schemas.microsoft.com/office/drawing/2010/main" w="9525">
+              <a14:hiddenLine xmlns:a14="http://schemas.microsoft.com/office/drawing/2010/main" xmlns="" w="9525">
                 <a:solidFill>
                   <a:srgbClr val="000000"/>
                 </a:solidFill>
@@ -4547,7 +4547,7 @@
           <a:ln/>
           <a:extLst>
             <a:ext uri="{91240B29-F687-4f45-9708-019B960494DF}">
-              <a14:hiddenLine xmlns="" xmlns:a14="http://schemas.microsoft.com/office/drawing/2010/main" w="9525">
+              <a14:hiddenLine xmlns:a14="http://schemas.microsoft.com/office/drawing/2010/main" xmlns="" w="9525">
                 <a:solidFill>
                   <a:srgbClr val="000000"/>
                 </a:solidFill>
@@ -7037,8 +7037,8 @@
         </p:nvSpPr>
         <p:spPr>
           <a:xfrm>
-            <a:off x="3427219" y="4380933"/>
-            <a:ext cx="791110" cy="369332"/>
+            <a:off x="3369924" y="4380932"/>
+            <a:ext cx="848405" cy="369333"/>
           </a:xfrm>
           <a:prstGeom prst="rect">
             <a:avLst/>
@@ -7076,8 +7076,8 @@
         </p:nvSpPr>
         <p:spPr>
           <a:xfrm>
-            <a:off x="4952600" y="4636344"/>
-            <a:ext cx="1548769" cy="369332"/>
+            <a:off x="4828854" y="4636343"/>
+            <a:ext cx="1672515" cy="369333"/>
           </a:xfrm>
           <a:prstGeom prst="rect">
             <a:avLst/>
@@ -7115,8 +7115,8 @@
         </p:nvSpPr>
         <p:spPr>
           <a:xfrm>
-            <a:off x="6916702" y="4363989"/>
-            <a:ext cx="1130732" cy="369332"/>
+            <a:off x="6916701" y="4317480"/>
+            <a:ext cx="1261527" cy="369332"/>
           </a:xfrm>
           <a:prstGeom prst="rect">
             <a:avLst/>
